--- a/DirectBras_ClassesObj.pptx
+++ b/DirectBras_ClassesObj.pptx
@@ -3314,7 +3314,7 @@
         <a:gradFill>
           <a:gsLst>
             <a:gs pos="0">
-              <a:srgbClr val="00B050"/>
+              <a:srgbClr val="30B116"/>
             </a:gs>
             <a:gs pos="83000">
               <a:schemeClr val="bg1"/>
@@ -3649,12 +3649,48 @@
           </a:p>
         </p:txBody>
       </p:sp>
+      <p:sp>
+        <p:nvSpPr>
+          <p:cNvPr id="12" name="CaixaDeTexto 11">
+            <a:extLst>
+              <a:ext uri="{FF2B5EF4-FFF2-40B4-BE49-F238E27FC236}">
+                <a16:creationId xmlns:a16="http://schemas.microsoft.com/office/drawing/2014/main" id="{08538CB1-D020-45FD-9215-D674359AD2B1}"/>
+              </a:ext>
+            </a:extLst>
+          </p:cNvPr>
+          <p:cNvSpPr txBox="1"/>
+          <p:nvPr/>
+        </p:nvSpPr>
+        <p:spPr>
+          <a:xfrm>
+            <a:off x="6556375" y="1457325"/>
+            <a:ext cx="495300" cy="200055"/>
+          </a:xfrm>
+          <a:prstGeom prst="rect">
+            <a:avLst/>
+          </a:prstGeom>
+          <a:noFill/>
+        </p:spPr>
+        <p:txBody>
+          <a:bodyPr wrap="square" rtlCol="0">
+            <a:spAutoFit/>
+          </a:bodyPr>
+          <a:lstStyle/>
+          <a:p>
+            <a:r>
+              <a:rPr lang="pt-BR" sz="700" dirty="0"/>
+              <a:t>: Frete1</a:t>
+            </a:r>
+            <a:endParaRPr lang="pt-BR" sz="900" dirty="0"/>
+          </a:p>
+        </p:txBody>
+      </p:sp>
       <p:pic>
         <p:nvPicPr>
-          <p:cNvPr id="4" name="Imagem 3">
-            <a:extLst>
-              <a:ext uri="{FF2B5EF4-FFF2-40B4-BE49-F238E27FC236}">
-                <a16:creationId xmlns:a16="http://schemas.microsoft.com/office/drawing/2014/main" id="{5D599E0A-264E-4E62-B8F6-A4FF9499C61F}"/>
+          <p:cNvPr id="14" name="Imagem 13">
+            <a:extLst>
+              <a:ext uri="{FF2B5EF4-FFF2-40B4-BE49-F238E27FC236}">
+                <a16:creationId xmlns:a16="http://schemas.microsoft.com/office/drawing/2014/main" id="{AE4E3EBF-F82E-4736-B544-8201F9EB3B10}"/>
               </a:ext>
             </a:extLst>
           </p:cNvPr>
@@ -3677,91 +3713,8 @@
         </p:blipFill>
         <p:spPr>
           <a:xfrm>
-            <a:off x="3311167" y="1457325"/>
-            <a:ext cx="5569666" cy="5400675"/>
-          </a:xfrm>
-          <a:prstGeom prst="rect">
-            <a:avLst/>
-          </a:prstGeom>
-        </p:spPr>
-      </p:pic>
-      <p:sp>
-        <p:nvSpPr>
-          <p:cNvPr id="8" name="Retângulo 7">
-            <a:extLst>
-              <a:ext uri="{FF2B5EF4-FFF2-40B4-BE49-F238E27FC236}">
-                <a16:creationId xmlns:a16="http://schemas.microsoft.com/office/drawing/2014/main" id="{657FE2B4-1573-4822-99B2-AC1ECD64548E}"/>
-              </a:ext>
-            </a:extLst>
-          </p:cNvPr>
-          <p:cNvSpPr/>
-          <p:nvPr/>
-        </p:nvSpPr>
-        <p:spPr>
-          <a:xfrm>
-            <a:off x="7600950" y="6034088"/>
-            <a:ext cx="1776413" cy="823912"/>
-          </a:xfrm>
-          <a:prstGeom prst="rect">
-            <a:avLst/>
-          </a:prstGeom>
-          <a:solidFill>
-            <a:schemeClr val="bg1"/>
-          </a:solidFill>
-          <a:ln>
-            <a:solidFill>
-              <a:schemeClr val="bg1"/>
-            </a:solidFill>
-          </a:ln>
-        </p:spPr>
-        <p:style>
-          <a:lnRef idx="2">
-            <a:schemeClr val="accent1">
-              <a:shade val="50000"/>
-            </a:schemeClr>
-          </a:lnRef>
-          <a:fillRef idx="1">
-            <a:schemeClr val="accent1"/>
-          </a:fillRef>
-          <a:effectRef idx="0">
-            <a:schemeClr val="accent1"/>
-          </a:effectRef>
-          <a:fontRef idx="minor">
-            <a:schemeClr val="lt1"/>
-          </a:fontRef>
-        </p:style>
-        <p:txBody>
-          <a:bodyPr rtlCol="0" anchor="ctr"/>
-          <a:lstStyle/>
-          <a:p>
-            <a:pPr algn="ctr"/>
-            <a:endParaRPr lang="pt-BR"/>
-          </a:p>
-        </p:txBody>
-      </p:sp>
-      <p:pic>
-        <p:nvPicPr>
-          <p:cNvPr id="7" name="Imagem 6">
-            <a:extLst>
-              <a:ext uri="{FF2B5EF4-FFF2-40B4-BE49-F238E27FC236}">
-                <a16:creationId xmlns:a16="http://schemas.microsoft.com/office/drawing/2014/main" id="{CE1549DE-987C-4462-8098-22162CB4E121}"/>
-              </a:ext>
-            </a:extLst>
-          </p:cNvPr>
-          <p:cNvPicPr>
-            <a:picLocks noChangeAspect="1"/>
-          </p:cNvPicPr>
-          <p:nvPr/>
-        </p:nvPicPr>
-        <p:blipFill rotWithShape="1">
-          <a:blip r:embed="rId3"/>
-          <a:srcRect t="10998"/>
-          <a:stretch/>
-        </p:blipFill>
-        <p:spPr>
-          <a:xfrm>
-            <a:off x="7461410" y="5314660"/>
-            <a:ext cx="1419423" cy="1195481"/>
+            <a:off x="3595203" y="1243208"/>
+            <a:ext cx="5731462" cy="5614791"/>
           </a:xfrm>
           <a:prstGeom prst="rect">
             <a:avLst/>
